--- a/report/20180108_数据库_更新.pptx
+++ b/report/20180108_数据库_更新.pptx
@@ -7258,6 +7258,228 @@
           </a:prstGeom>
         </p:spPr>
       </p:pic>
+      <p:sp>
+        <p:nvSpPr>
+          <p:cNvPr id="6" name="内容占位符 2"/>
+          <p:cNvSpPr txBox="1">
+            <a:spLocks/>
+          </p:cNvSpPr>
+          <p:nvPr/>
+        </p:nvSpPr>
+        <p:spPr>
+          <a:xfrm>
+            <a:off x="838200" y="5675544"/>
+            <a:ext cx="10515600" cy="762127"/>
+          </a:xfrm>
+          <a:prstGeom prst="rect">
+            <a:avLst/>
+          </a:prstGeom>
+        </p:spPr>
+        <p:txBody>
+          <a:bodyPr vert="horz" lIns="91440" tIns="45720" rIns="91440" bIns="45720" rtlCol="0">
+            <a:normAutofit/>
+          </a:bodyPr>
+          <a:lstStyle>
+            <a:lvl1pPr marL="228600" indent="-228600" algn="l" defTabSz="914400" rtl="0" eaLnBrk="1" latinLnBrk="0" hangingPunct="1">
+              <a:lnSpc>
+                <a:spcPct val="90000"/>
+              </a:lnSpc>
+              <a:spcBef>
+                <a:spcPts val="1000"/>
+              </a:spcBef>
+              <a:buFont typeface="Arial" panose="020B0604020202020204" pitchFamily="34" charset="0"/>
+              <a:buChar char="•"/>
+              <a:defRPr sz="2800" kern="1200">
+                <a:solidFill>
+                  <a:schemeClr val="tx1"/>
+                </a:solidFill>
+                <a:latin typeface="+mn-lt"/>
+                <a:ea typeface="+mn-ea"/>
+                <a:cs typeface="+mn-cs"/>
+              </a:defRPr>
+            </a:lvl1pPr>
+            <a:lvl2pPr marL="685800" indent="-228600" algn="l" defTabSz="914400" rtl="0" eaLnBrk="1" latinLnBrk="0" hangingPunct="1">
+              <a:lnSpc>
+                <a:spcPct val="90000"/>
+              </a:lnSpc>
+              <a:spcBef>
+                <a:spcPts val="500"/>
+              </a:spcBef>
+              <a:buFont typeface="Arial" panose="020B0604020202020204" pitchFamily="34" charset="0"/>
+              <a:buChar char="•"/>
+              <a:defRPr sz="2400" kern="1200">
+                <a:solidFill>
+                  <a:schemeClr val="tx1"/>
+                </a:solidFill>
+                <a:latin typeface="+mn-lt"/>
+                <a:ea typeface="+mn-ea"/>
+                <a:cs typeface="+mn-cs"/>
+              </a:defRPr>
+            </a:lvl2pPr>
+            <a:lvl3pPr marL="1143000" indent="-228600" algn="l" defTabSz="914400" rtl="0" eaLnBrk="1" latinLnBrk="0" hangingPunct="1">
+              <a:lnSpc>
+                <a:spcPct val="90000"/>
+              </a:lnSpc>
+              <a:spcBef>
+                <a:spcPts val="500"/>
+              </a:spcBef>
+              <a:buFont typeface="Arial" panose="020B0604020202020204" pitchFamily="34" charset="0"/>
+              <a:buChar char="•"/>
+              <a:defRPr sz="2000" kern="1200">
+                <a:solidFill>
+                  <a:schemeClr val="tx1"/>
+                </a:solidFill>
+                <a:latin typeface="+mn-lt"/>
+                <a:ea typeface="+mn-ea"/>
+                <a:cs typeface="+mn-cs"/>
+              </a:defRPr>
+            </a:lvl3pPr>
+            <a:lvl4pPr marL="1600200" indent="-228600" algn="l" defTabSz="914400" rtl="0" eaLnBrk="1" latinLnBrk="0" hangingPunct="1">
+              <a:lnSpc>
+                <a:spcPct val="90000"/>
+              </a:lnSpc>
+              <a:spcBef>
+                <a:spcPts val="500"/>
+              </a:spcBef>
+              <a:buFont typeface="Arial" panose="020B0604020202020204" pitchFamily="34" charset="0"/>
+              <a:buChar char="•"/>
+              <a:defRPr sz="1800" kern="1200">
+                <a:solidFill>
+                  <a:schemeClr val="tx1"/>
+                </a:solidFill>
+                <a:latin typeface="+mn-lt"/>
+                <a:ea typeface="+mn-ea"/>
+                <a:cs typeface="+mn-cs"/>
+              </a:defRPr>
+            </a:lvl4pPr>
+            <a:lvl5pPr marL="2057400" indent="-228600" algn="l" defTabSz="914400" rtl="0" eaLnBrk="1" latinLnBrk="0" hangingPunct="1">
+              <a:lnSpc>
+                <a:spcPct val="90000"/>
+              </a:lnSpc>
+              <a:spcBef>
+                <a:spcPts val="500"/>
+              </a:spcBef>
+              <a:buFont typeface="Arial" panose="020B0604020202020204" pitchFamily="34" charset="0"/>
+              <a:buChar char="•"/>
+              <a:defRPr sz="1800" kern="1200">
+                <a:solidFill>
+                  <a:schemeClr val="tx1"/>
+                </a:solidFill>
+                <a:latin typeface="+mn-lt"/>
+                <a:ea typeface="+mn-ea"/>
+                <a:cs typeface="+mn-cs"/>
+              </a:defRPr>
+            </a:lvl5pPr>
+            <a:lvl6pPr marL="2514600" indent="-228600" algn="l" defTabSz="914400" rtl="0" eaLnBrk="1" latinLnBrk="0" hangingPunct="1">
+              <a:lnSpc>
+                <a:spcPct val="90000"/>
+              </a:lnSpc>
+              <a:spcBef>
+                <a:spcPts val="500"/>
+              </a:spcBef>
+              <a:buFont typeface="Arial" panose="020B0604020202020204" pitchFamily="34" charset="0"/>
+              <a:buChar char="•"/>
+              <a:defRPr sz="1800" kern="1200">
+                <a:solidFill>
+                  <a:schemeClr val="tx1"/>
+                </a:solidFill>
+                <a:latin typeface="+mn-lt"/>
+                <a:ea typeface="+mn-ea"/>
+                <a:cs typeface="+mn-cs"/>
+              </a:defRPr>
+            </a:lvl6pPr>
+            <a:lvl7pPr marL="2971800" indent="-228600" algn="l" defTabSz="914400" rtl="0" eaLnBrk="1" latinLnBrk="0" hangingPunct="1">
+              <a:lnSpc>
+                <a:spcPct val="90000"/>
+              </a:lnSpc>
+              <a:spcBef>
+                <a:spcPts val="500"/>
+              </a:spcBef>
+              <a:buFont typeface="Arial" panose="020B0604020202020204" pitchFamily="34" charset="0"/>
+              <a:buChar char="•"/>
+              <a:defRPr sz="1800" kern="1200">
+                <a:solidFill>
+                  <a:schemeClr val="tx1"/>
+                </a:solidFill>
+                <a:latin typeface="+mn-lt"/>
+                <a:ea typeface="+mn-ea"/>
+                <a:cs typeface="+mn-cs"/>
+              </a:defRPr>
+            </a:lvl7pPr>
+            <a:lvl8pPr marL="3429000" indent="-228600" algn="l" defTabSz="914400" rtl="0" eaLnBrk="1" latinLnBrk="0" hangingPunct="1">
+              <a:lnSpc>
+                <a:spcPct val="90000"/>
+              </a:lnSpc>
+              <a:spcBef>
+                <a:spcPts val="500"/>
+              </a:spcBef>
+              <a:buFont typeface="Arial" panose="020B0604020202020204" pitchFamily="34" charset="0"/>
+              <a:buChar char="•"/>
+              <a:defRPr sz="1800" kern="1200">
+                <a:solidFill>
+                  <a:schemeClr val="tx1"/>
+                </a:solidFill>
+                <a:latin typeface="+mn-lt"/>
+                <a:ea typeface="+mn-ea"/>
+                <a:cs typeface="+mn-cs"/>
+              </a:defRPr>
+            </a:lvl8pPr>
+            <a:lvl9pPr marL="3886200" indent="-228600" algn="l" defTabSz="914400" rtl="0" eaLnBrk="1" latinLnBrk="0" hangingPunct="1">
+              <a:lnSpc>
+                <a:spcPct val="90000"/>
+              </a:lnSpc>
+              <a:spcBef>
+                <a:spcPts val="500"/>
+              </a:spcBef>
+              <a:buFont typeface="Arial" panose="020B0604020202020204" pitchFamily="34" charset="0"/>
+              <a:buChar char="•"/>
+              <a:defRPr sz="1800" kern="1200">
+                <a:solidFill>
+                  <a:schemeClr val="tx1"/>
+                </a:solidFill>
+                <a:latin typeface="+mn-lt"/>
+                <a:ea typeface="+mn-ea"/>
+                <a:cs typeface="+mn-cs"/>
+              </a:defRPr>
+            </a:lvl9pPr>
+          </a:lstStyle>
+          <a:p>
+            <a:r>
+              <a:rPr lang="zh-CN" altLang="en-US" sz="2400" dirty="0" smtClean="0"/>
+              <a:t>将</a:t>
+            </a:r>
+            <a:r>
+              <a:rPr lang="en-US" altLang="zh-CN" sz="2400" dirty="0" err="1" smtClean="0"/>
+              <a:t>Qt</a:t>
+            </a:r>
+            <a:r>
+              <a:rPr lang="zh-CN" altLang="en-US" sz="2400" dirty="0" smtClean="0"/>
+              <a:t>的查询执行放入</a:t>
+            </a:r>
+            <a:r>
+              <a:rPr lang="en-US" altLang="zh-CN" sz="2400" dirty="0" smtClean="0"/>
+              <a:t>in.txt</a:t>
+            </a:r>
+            <a:r>
+              <a:rPr lang="zh-CN" altLang="en-US" sz="2400" dirty="0" smtClean="0"/>
+              <a:t>中，解析结果放在</a:t>
+            </a:r>
+            <a:r>
+              <a:rPr lang="en-US" altLang="zh-CN" sz="2400" dirty="0" smtClean="0"/>
+              <a:t>out.txt</a:t>
+            </a:r>
+            <a:r>
+              <a:rPr lang="zh-CN" altLang="en-US" sz="2400" dirty="0" smtClean="0"/>
+              <a:t>中</a:t>
+            </a:r>
+            <a:r>
+              <a:rPr lang="zh-CN" altLang="en-US" sz="2400" smtClean="0"/>
+              <a:t>，实现功能的解耦</a:t>
+            </a:r>
+            <a:endParaRPr lang="en-US" altLang="zh-CN" sz="2400" dirty="0" smtClean="0"/>
+          </a:p>
+        </p:txBody>
+      </p:sp>
     </p:spTree>
     <p:extLst>
       <p:ext uri="{BB962C8B-B14F-4D97-AF65-F5344CB8AC3E}">
@@ -7378,6 +7600,55 @@
                       </p:childTnLst>
                     </p:cTn>
                   </p:par>
+                  <p:par>
+                    <p:cTn id="12" fill="hold">
+                      <p:stCondLst>
+                        <p:cond delay="indefinite"/>
+                      </p:stCondLst>
+                      <p:childTnLst>
+                        <p:par>
+                          <p:cTn id="13" fill="hold">
+                            <p:stCondLst>
+                              <p:cond delay="0"/>
+                            </p:stCondLst>
+                            <p:childTnLst>
+                              <p:par>
+                                <p:cTn id="14" presetID="1" presetClass="entr" presetSubtype="0" fill="hold" grpId="0" nodeType="clickEffect">
+                                  <p:stCondLst>
+                                    <p:cond delay="0"/>
+                                  </p:stCondLst>
+                                  <p:childTnLst>
+                                    <p:set>
+                                      <p:cBhvr>
+                                        <p:cTn id="15" dur="1" fill="hold">
+                                          <p:stCondLst>
+                                            <p:cond delay="0"/>
+                                          </p:stCondLst>
+                                        </p:cTn>
+                                        <p:tgtEl>
+                                          <p:spTgt spid="6">
+                                            <p:txEl>
+                                              <p:pRg st="0" end="0"/>
+                                            </p:txEl>
+                                          </p:spTgt>
+                                        </p:tgtEl>
+                                        <p:attrNameLst>
+                                          <p:attrName>style.visibility</p:attrName>
+                                        </p:attrNameLst>
+                                      </p:cBhvr>
+                                      <p:to>
+                                        <p:strVal val="visible"/>
+                                      </p:to>
+                                    </p:set>
+                                  </p:childTnLst>
+                                </p:cTn>
+                              </p:par>
+                            </p:childTnLst>
+                          </p:cTn>
+                        </p:par>
+                      </p:childTnLst>
+                    </p:cTn>
+                  </p:par>
                 </p:childTnLst>
               </p:cTn>
               <p:prevCondLst>
@@ -7402,6 +7673,7 @@
     <p:bldLst>
       <p:bldP spid="3" grpId="0" build="p"/>
       <p:bldP spid="4" grpId="0"/>
+      <p:bldP spid="6" grpId="0" build="p"/>
     </p:bldLst>
   </p:timing>
 </p:sld>
@@ -12494,11 +12766,7 @@
           <a:p>
             <a:r>
               <a:rPr lang="en-US" altLang="zh-CN" dirty="0" smtClean="0"/>
-              <a:t>6.4 </a:t>
-            </a:r>
-            <a:r>
-              <a:rPr lang="en-US" altLang="zh-CN" dirty="0" smtClean="0"/>
-              <a:t>Delete</a:t>
+              <a:t>6.4 Delete</a:t>
             </a:r>
             <a:r>
               <a:rPr lang="zh-CN" altLang="en-US" dirty="0" smtClean="0"/>
@@ -13637,19 +13905,7 @@
               <a:rPr lang="zh-CN" altLang="en-US" sz="2000" dirty="0" smtClean="0">
                 <a:latin typeface="+mn-ea"/>
               </a:rPr>
-              <a:t>中的相关</a:t>
-            </a:r>
-            <a:r>
-              <a:rPr lang="zh-CN" altLang="en-US" sz="2000" dirty="0" smtClean="0">
-                <a:latin typeface="+mn-ea"/>
-              </a:rPr>
-              <a:t>操作，显示运行时间，</a:t>
-            </a:r>
-            <a:r>
-              <a:rPr lang="zh-CN" altLang="en-US" sz="2000" dirty="0" smtClean="0">
-                <a:latin typeface="+mn-ea"/>
-              </a:rPr>
-              <a:t>但是由于内部操作复杂，部分功能未加上，但是已经满足了前四个实验基本的内容，实验五由于时间问题仍待补充。</a:t>
+              <a:t>中的相关操作，显示运行时间，但是由于内部操作复杂，部分功能未加上，但是已经满足了前四个实验基本的内容，实验五由于时间问题仍待补充。</a:t>
             </a:r>
             <a:endParaRPr lang="en-US" altLang="zh-CN" sz="2000" dirty="0" smtClean="0">
               <a:latin typeface="+mn-ea"/>
@@ -18100,7 +18356,7 @@
           <p:cNvPr id="13" name="矩形 9">
             <a:extLst>
               <a:ext uri="{FF2B5EF4-FFF2-40B4-BE49-F238E27FC236}">
-                <a16:creationId xmlns:a16="http://schemas.microsoft.com/office/drawing/2014/main" xmlns="" id="{ED26B853-47FC-426B-9385-C1553E327378}"/>
+                <a16:creationId xmlns="" xmlns:a16="http://schemas.microsoft.com/office/drawing/2014/main" id="{ED26B853-47FC-426B-9385-C1553E327378}"/>
               </a:ext>
             </a:extLst>
           </p:cNvPr>
@@ -18292,7 +18548,7 @@
           <p:cNvPr id="14" name="矩形 10">
             <a:extLst>
               <a:ext uri="{FF2B5EF4-FFF2-40B4-BE49-F238E27FC236}">
-                <a16:creationId xmlns:a16="http://schemas.microsoft.com/office/drawing/2014/main" xmlns="" id="{2087C7E6-7AD2-45D6-859F-9A7C1A5D09BB}"/>
+                <a16:creationId xmlns="" xmlns:a16="http://schemas.microsoft.com/office/drawing/2014/main" id="{2087C7E6-7AD2-45D6-859F-9A7C1A5D09BB}"/>
               </a:ext>
             </a:extLst>
           </p:cNvPr>
@@ -18488,7 +18744,7 @@
           <p:cNvPr id="15" name="矩形 11">
             <a:extLst>
               <a:ext uri="{FF2B5EF4-FFF2-40B4-BE49-F238E27FC236}">
-                <a16:creationId xmlns:a16="http://schemas.microsoft.com/office/drawing/2014/main" xmlns="" id="{32F72E08-21B8-450B-B995-8A47BD60294A}"/>
+                <a16:creationId xmlns="" xmlns:a16="http://schemas.microsoft.com/office/drawing/2014/main" id="{32F72E08-21B8-450B-B995-8A47BD60294A}"/>
               </a:ext>
             </a:extLst>
           </p:cNvPr>
@@ -18684,7 +18940,7 @@
           <p:cNvPr id="16" name="矩形 12">
             <a:extLst>
               <a:ext uri="{FF2B5EF4-FFF2-40B4-BE49-F238E27FC236}">
-                <a16:creationId xmlns:a16="http://schemas.microsoft.com/office/drawing/2014/main" xmlns="" id="{D75A983B-0859-4716-9A56-407616119B66}"/>
+                <a16:creationId xmlns="" xmlns:a16="http://schemas.microsoft.com/office/drawing/2014/main" id="{D75A983B-0859-4716-9A56-407616119B66}"/>
               </a:ext>
             </a:extLst>
           </p:cNvPr>
@@ -18890,7 +19146,7 @@
           <p:cNvPr id="17" name="矩形 13">
             <a:extLst>
               <a:ext uri="{FF2B5EF4-FFF2-40B4-BE49-F238E27FC236}">
-                <a16:creationId xmlns:a16="http://schemas.microsoft.com/office/drawing/2014/main" xmlns="" id="{90C8538E-B6FA-4419-9F03-6755CC37CE2D}"/>
+                <a16:creationId xmlns="" xmlns:a16="http://schemas.microsoft.com/office/drawing/2014/main" id="{90C8538E-B6FA-4419-9F03-6755CC37CE2D}"/>
               </a:ext>
             </a:extLst>
           </p:cNvPr>
@@ -19086,7 +19342,7 @@
           <p:cNvPr id="18" name="矩形 14">
             <a:extLst>
               <a:ext uri="{FF2B5EF4-FFF2-40B4-BE49-F238E27FC236}">
-                <a16:creationId xmlns:a16="http://schemas.microsoft.com/office/drawing/2014/main" xmlns="" id="{7E77736F-4622-45A1-88C4-66BCD5136D70}"/>
+                <a16:creationId xmlns="" xmlns:a16="http://schemas.microsoft.com/office/drawing/2014/main" id="{7E77736F-4622-45A1-88C4-66BCD5136D70}"/>
               </a:ext>
             </a:extLst>
           </p:cNvPr>
@@ -19282,7 +19538,7 @@
           <p:cNvPr id="19" name="矩形 15">
             <a:extLst>
               <a:ext uri="{FF2B5EF4-FFF2-40B4-BE49-F238E27FC236}">
-                <a16:creationId xmlns:a16="http://schemas.microsoft.com/office/drawing/2014/main" xmlns="" id="{0216D3AF-E590-43CD-895D-57922D849669}"/>
+                <a16:creationId xmlns="" xmlns:a16="http://schemas.microsoft.com/office/drawing/2014/main" id="{0216D3AF-E590-43CD-895D-57922D849669}"/>
               </a:ext>
             </a:extLst>
           </p:cNvPr>
@@ -19487,7 +19743,7 @@
           <p:cNvPr id="20" name="矩形 17">
             <a:extLst>
               <a:ext uri="{FF2B5EF4-FFF2-40B4-BE49-F238E27FC236}">
-                <a16:creationId xmlns:a16="http://schemas.microsoft.com/office/drawing/2014/main" xmlns="" id="{93EF3E77-F043-4EB0-9B04-475DF9E79187}"/>
+                <a16:creationId xmlns="" xmlns:a16="http://schemas.microsoft.com/office/drawing/2014/main" id="{93EF3E77-F043-4EB0-9B04-475DF9E79187}"/>
               </a:ext>
             </a:extLst>
           </p:cNvPr>
@@ -19683,7 +19939,7 @@
           <p:cNvPr id="21" name="矩形 13">
             <a:extLst>
               <a:ext uri="{FF2B5EF4-FFF2-40B4-BE49-F238E27FC236}">
-                <a16:creationId xmlns:a16="http://schemas.microsoft.com/office/drawing/2014/main" xmlns="" id="{90C8538E-B6FA-4419-9F03-6755CC37CE2D}"/>
+                <a16:creationId xmlns="" xmlns:a16="http://schemas.microsoft.com/office/drawing/2014/main" id="{90C8538E-B6FA-4419-9F03-6755CC37CE2D}"/>
               </a:ext>
             </a:extLst>
           </p:cNvPr>

--- a/report/20180108_数据库_更新.pptx
+++ b/report/20180108_数据库_更新.pptx
@@ -5,7 +5,7 @@
     <p:sldMasterId id="2147483648" r:id="rId1"/>
   </p:sldMasterIdLst>
   <p:notesMasterIdLst>
-    <p:notesMasterId r:id="rId33"/>
+    <p:notesMasterId r:id="rId38"/>
   </p:notesMasterIdLst>
   <p:sldIdLst>
     <p:sldId id="256" r:id="rId2"/>
@@ -37,8 +37,13 @@
     <p:sldId id="302" r:id="rId28"/>
     <p:sldId id="301" r:id="rId29"/>
     <p:sldId id="269" r:id="rId30"/>
-    <p:sldId id="273" r:id="rId31"/>
-    <p:sldId id="300" r:id="rId32"/>
+    <p:sldId id="305" r:id="rId31"/>
+    <p:sldId id="307" r:id="rId32"/>
+    <p:sldId id="306" r:id="rId33"/>
+    <p:sldId id="308" r:id="rId34"/>
+    <p:sldId id="309" r:id="rId35"/>
+    <p:sldId id="273" r:id="rId36"/>
+    <p:sldId id="300" r:id="rId37"/>
   </p:sldIdLst>
   <p:sldSz cx="12192000" cy="6858000"/>
   <p:notesSz cx="6858000" cy="9144000"/>
@@ -740,7 +745,7 @@
           <a:p>
             <a:fld id="{6FD8ACD6-B84E-46E9-AEC8-A46527A8B4DC}" type="slidenum">
               <a:rPr lang="zh-CN" altLang="en-US" smtClean="0"/>
-              <a:t>31</a:t>
+              <a:t>36</a:t>
             </a:fld>
             <a:endParaRPr lang="zh-CN" altLang="en-US"/>
           </a:p>
@@ -15809,6 +15814,446 @@
       </p:grpSpPr>
       <p:sp>
         <p:nvSpPr>
+          <p:cNvPr id="2" name="标题 1"/>
+          <p:cNvSpPr>
+            <a:spLocks noGrp="1"/>
+          </p:cNvSpPr>
+          <p:nvPr>
+            <p:ph type="title"/>
+          </p:nvPr>
+        </p:nvSpPr>
+        <p:spPr/>
+        <p:txBody>
+          <a:bodyPr/>
+          <a:lstStyle/>
+          <a:p>
+            <a:r>
+              <a:rPr lang="en-US" altLang="zh-CN" dirty="0" smtClean="0"/>
+              <a:t>7 </a:t>
+            </a:r>
+            <a:r>
+              <a:rPr lang="zh-CN" altLang="en-US" dirty="0" smtClean="0"/>
+              <a:t>结果显示</a:t>
+            </a:r>
+            <a:endParaRPr lang="zh-CN" altLang="en-US" dirty="0"/>
+          </a:p>
+        </p:txBody>
+      </p:sp>
+      <p:pic>
+        <p:nvPicPr>
+          <p:cNvPr id="11" name="图片 10"/>
+          <p:cNvPicPr>
+            <a:picLocks noChangeAspect="1"/>
+          </p:cNvPicPr>
+          <p:nvPr/>
+        </p:nvPicPr>
+        <p:blipFill>
+          <a:blip r:embed="rId2"/>
+          <a:stretch>
+            <a:fillRect/>
+          </a:stretch>
+        </p:blipFill>
+        <p:spPr>
+          <a:xfrm>
+            <a:off x="3973209" y="971090"/>
+            <a:ext cx="7982817" cy="5886910"/>
+          </a:xfrm>
+          <a:prstGeom prst="rect">
+            <a:avLst/>
+          </a:prstGeom>
+        </p:spPr>
+      </p:pic>
+    </p:spTree>
+    <p:extLst>
+      <p:ext uri="{BB962C8B-B14F-4D97-AF65-F5344CB8AC3E}">
+        <p14:creationId xmlns:p14="http://schemas.microsoft.com/office/powerpoint/2010/main" val="1888167403"/>
+      </p:ext>
+    </p:extLst>
+  </p:cSld>
+  <p:clrMapOvr>
+    <a:masterClrMapping/>
+  </p:clrMapOvr>
+  <p:timing>
+    <p:tnLst>
+      <p:par>
+        <p:cTn id="1" dur="indefinite" restart="never" nodeType="tmRoot"/>
+      </p:par>
+    </p:tnLst>
+  </p:timing>
+</p:sld>
+</file>
+
+<file path=ppt/slides/slide31.xml><?xml version="1.0" encoding="utf-8"?>
+<p:sld xmlns:a="http://schemas.openxmlformats.org/drawingml/2006/main" xmlns:r="http://schemas.openxmlformats.org/officeDocument/2006/relationships" xmlns:p="http://schemas.openxmlformats.org/presentationml/2006/main">
+  <p:cSld>
+    <p:spTree>
+      <p:nvGrpSpPr>
+        <p:cNvPr id="1" name=""/>
+        <p:cNvGrpSpPr/>
+        <p:nvPr/>
+      </p:nvGrpSpPr>
+      <p:grpSpPr>
+        <a:xfrm>
+          <a:off x="0" y="0"/>
+          <a:ext cx="0" cy="0"/>
+          <a:chOff x="0" y="0"/>
+          <a:chExt cx="0" cy="0"/>
+        </a:xfrm>
+      </p:grpSpPr>
+      <p:sp>
+        <p:nvSpPr>
+          <p:cNvPr id="2" name="标题 1"/>
+          <p:cNvSpPr>
+            <a:spLocks noGrp="1"/>
+          </p:cNvSpPr>
+          <p:nvPr>
+            <p:ph type="title"/>
+          </p:nvPr>
+        </p:nvSpPr>
+        <p:spPr/>
+        <p:txBody>
+          <a:bodyPr/>
+          <a:lstStyle/>
+          <a:p>
+            <a:r>
+              <a:rPr lang="en-US" altLang="zh-CN" dirty="0" smtClean="0"/>
+              <a:t>7 </a:t>
+            </a:r>
+            <a:r>
+              <a:rPr lang="zh-CN" altLang="en-US" dirty="0" smtClean="0"/>
+              <a:t>结果显示</a:t>
+            </a:r>
+            <a:endParaRPr lang="zh-CN" altLang="en-US" dirty="0"/>
+          </a:p>
+        </p:txBody>
+      </p:sp>
+      <p:pic>
+        <p:nvPicPr>
+          <p:cNvPr id="4" name="图片 3"/>
+          <p:cNvPicPr>
+            <a:picLocks noChangeAspect="1"/>
+          </p:cNvPicPr>
+          <p:nvPr/>
+        </p:nvPicPr>
+        <p:blipFill>
+          <a:blip r:embed="rId2"/>
+          <a:stretch>
+            <a:fillRect/>
+          </a:stretch>
+        </p:blipFill>
+        <p:spPr>
+          <a:xfrm>
+            <a:off x="3996813" y="1017631"/>
+            <a:ext cx="7945232" cy="5840369"/>
+          </a:xfrm>
+          <a:prstGeom prst="rect">
+            <a:avLst/>
+          </a:prstGeom>
+        </p:spPr>
+      </p:pic>
+    </p:spTree>
+    <p:extLst>
+      <p:ext uri="{BB962C8B-B14F-4D97-AF65-F5344CB8AC3E}">
+        <p14:creationId xmlns:p14="http://schemas.microsoft.com/office/powerpoint/2010/main" val="3412600678"/>
+      </p:ext>
+    </p:extLst>
+  </p:cSld>
+  <p:clrMapOvr>
+    <a:masterClrMapping/>
+  </p:clrMapOvr>
+  <p:timing>
+    <p:tnLst>
+      <p:par>
+        <p:cTn id="1" dur="indefinite" restart="never" nodeType="tmRoot"/>
+      </p:par>
+    </p:tnLst>
+  </p:timing>
+</p:sld>
+</file>
+
+<file path=ppt/slides/slide32.xml><?xml version="1.0" encoding="utf-8"?>
+<p:sld xmlns:a="http://schemas.openxmlformats.org/drawingml/2006/main" xmlns:r="http://schemas.openxmlformats.org/officeDocument/2006/relationships" xmlns:p="http://schemas.openxmlformats.org/presentationml/2006/main">
+  <p:cSld>
+    <p:spTree>
+      <p:nvGrpSpPr>
+        <p:cNvPr id="1" name=""/>
+        <p:cNvGrpSpPr/>
+        <p:nvPr/>
+      </p:nvGrpSpPr>
+      <p:grpSpPr>
+        <a:xfrm>
+          <a:off x="0" y="0"/>
+          <a:ext cx="0" cy="0"/>
+          <a:chOff x="0" y="0"/>
+          <a:chExt cx="0" cy="0"/>
+        </a:xfrm>
+      </p:grpSpPr>
+      <p:sp>
+        <p:nvSpPr>
+          <p:cNvPr id="2" name="标题 1"/>
+          <p:cNvSpPr>
+            <a:spLocks noGrp="1"/>
+          </p:cNvSpPr>
+          <p:nvPr>
+            <p:ph type="title"/>
+          </p:nvPr>
+        </p:nvSpPr>
+        <p:spPr/>
+        <p:txBody>
+          <a:bodyPr/>
+          <a:lstStyle/>
+          <a:p>
+            <a:r>
+              <a:rPr lang="en-US" altLang="zh-CN" dirty="0" smtClean="0"/>
+              <a:t>7 </a:t>
+            </a:r>
+            <a:r>
+              <a:rPr lang="zh-CN" altLang="en-US" dirty="0" smtClean="0"/>
+              <a:t>结果显示</a:t>
+            </a:r>
+            <a:endParaRPr lang="zh-CN" altLang="en-US" dirty="0"/>
+          </a:p>
+        </p:txBody>
+      </p:sp>
+      <p:pic>
+        <p:nvPicPr>
+          <p:cNvPr id="3" name="图片 2"/>
+          <p:cNvPicPr>
+            <a:picLocks noChangeAspect="1"/>
+          </p:cNvPicPr>
+          <p:nvPr/>
+        </p:nvPicPr>
+        <p:blipFill>
+          <a:blip r:embed="rId2"/>
+          <a:stretch>
+            <a:fillRect/>
+          </a:stretch>
+        </p:blipFill>
+        <p:spPr>
+          <a:xfrm>
+            <a:off x="3834580" y="828268"/>
+            <a:ext cx="8205941" cy="6029732"/>
+          </a:xfrm>
+          <a:prstGeom prst="rect">
+            <a:avLst/>
+          </a:prstGeom>
+        </p:spPr>
+      </p:pic>
+    </p:spTree>
+    <p:extLst>
+      <p:ext uri="{BB962C8B-B14F-4D97-AF65-F5344CB8AC3E}">
+        <p14:creationId xmlns:p14="http://schemas.microsoft.com/office/powerpoint/2010/main" val="3510621568"/>
+      </p:ext>
+    </p:extLst>
+  </p:cSld>
+  <p:clrMapOvr>
+    <a:masterClrMapping/>
+  </p:clrMapOvr>
+  <p:timing>
+    <p:tnLst>
+      <p:par>
+        <p:cTn id="1" dur="indefinite" restart="never" nodeType="tmRoot"/>
+      </p:par>
+    </p:tnLst>
+  </p:timing>
+</p:sld>
+</file>
+
+<file path=ppt/slides/slide33.xml><?xml version="1.0" encoding="utf-8"?>
+<p:sld xmlns:a="http://schemas.openxmlformats.org/drawingml/2006/main" xmlns:r="http://schemas.openxmlformats.org/officeDocument/2006/relationships" xmlns:p="http://schemas.openxmlformats.org/presentationml/2006/main">
+  <p:cSld>
+    <p:spTree>
+      <p:nvGrpSpPr>
+        <p:cNvPr id="1" name=""/>
+        <p:cNvGrpSpPr/>
+        <p:nvPr/>
+      </p:nvGrpSpPr>
+      <p:grpSpPr>
+        <a:xfrm>
+          <a:off x="0" y="0"/>
+          <a:ext cx="0" cy="0"/>
+          <a:chOff x="0" y="0"/>
+          <a:chExt cx="0" cy="0"/>
+        </a:xfrm>
+      </p:grpSpPr>
+      <p:sp>
+        <p:nvSpPr>
+          <p:cNvPr id="2" name="标题 1"/>
+          <p:cNvSpPr>
+            <a:spLocks noGrp="1"/>
+          </p:cNvSpPr>
+          <p:nvPr>
+            <p:ph type="title"/>
+          </p:nvPr>
+        </p:nvSpPr>
+        <p:spPr/>
+        <p:txBody>
+          <a:bodyPr/>
+          <a:lstStyle/>
+          <a:p>
+            <a:r>
+              <a:rPr lang="en-US" altLang="zh-CN" dirty="0" smtClean="0"/>
+              <a:t>7 </a:t>
+            </a:r>
+            <a:r>
+              <a:rPr lang="zh-CN" altLang="en-US" dirty="0" smtClean="0"/>
+              <a:t>结果显示</a:t>
+            </a:r>
+            <a:endParaRPr lang="zh-CN" altLang="en-US" dirty="0"/>
+          </a:p>
+        </p:txBody>
+      </p:sp>
+      <p:pic>
+        <p:nvPicPr>
+          <p:cNvPr id="4" name="图片 3"/>
+          <p:cNvPicPr>
+            <a:picLocks noChangeAspect="1"/>
+          </p:cNvPicPr>
+          <p:nvPr/>
+        </p:nvPicPr>
+        <p:blipFill>
+          <a:blip r:embed="rId2"/>
+          <a:stretch>
+            <a:fillRect/>
+          </a:stretch>
+        </p:blipFill>
+        <p:spPr>
+          <a:xfrm>
+            <a:off x="3996813" y="919745"/>
+            <a:ext cx="8058457" cy="5938255"/>
+          </a:xfrm>
+          <a:prstGeom prst="rect">
+            <a:avLst/>
+          </a:prstGeom>
+        </p:spPr>
+      </p:pic>
+    </p:spTree>
+    <p:extLst>
+      <p:ext uri="{BB962C8B-B14F-4D97-AF65-F5344CB8AC3E}">
+        <p14:creationId xmlns:p14="http://schemas.microsoft.com/office/powerpoint/2010/main" val="23387531"/>
+      </p:ext>
+    </p:extLst>
+  </p:cSld>
+  <p:clrMapOvr>
+    <a:masterClrMapping/>
+  </p:clrMapOvr>
+  <p:timing>
+    <p:tnLst>
+      <p:par>
+        <p:cTn id="1" dur="indefinite" restart="never" nodeType="tmRoot"/>
+      </p:par>
+    </p:tnLst>
+  </p:timing>
+</p:sld>
+</file>
+
+<file path=ppt/slides/slide34.xml><?xml version="1.0" encoding="utf-8"?>
+<p:sld xmlns:a="http://schemas.openxmlformats.org/drawingml/2006/main" xmlns:r="http://schemas.openxmlformats.org/officeDocument/2006/relationships" xmlns:p="http://schemas.openxmlformats.org/presentationml/2006/main">
+  <p:cSld>
+    <p:spTree>
+      <p:nvGrpSpPr>
+        <p:cNvPr id="1" name=""/>
+        <p:cNvGrpSpPr/>
+        <p:nvPr/>
+      </p:nvGrpSpPr>
+      <p:grpSpPr>
+        <a:xfrm>
+          <a:off x="0" y="0"/>
+          <a:ext cx="0" cy="0"/>
+          <a:chOff x="0" y="0"/>
+          <a:chExt cx="0" cy="0"/>
+        </a:xfrm>
+      </p:grpSpPr>
+      <p:sp>
+        <p:nvSpPr>
+          <p:cNvPr id="2" name="标题 1"/>
+          <p:cNvSpPr>
+            <a:spLocks noGrp="1"/>
+          </p:cNvSpPr>
+          <p:nvPr>
+            <p:ph type="title"/>
+          </p:nvPr>
+        </p:nvSpPr>
+        <p:spPr/>
+        <p:txBody>
+          <a:bodyPr/>
+          <a:lstStyle/>
+          <a:p>
+            <a:r>
+              <a:rPr lang="en-US" altLang="zh-CN" dirty="0" smtClean="0"/>
+              <a:t>7 </a:t>
+            </a:r>
+            <a:r>
+              <a:rPr lang="zh-CN" altLang="en-US" dirty="0" smtClean="0"/>
+              <a:t>结果显示</a:t>
+            </a:r>
+            <a:endParaRPr lang="zh-CN" altLang="en-US" dirty="0"/>
+          </a:p>
+        </p:txBody>
+      </p:sp>
+      <p:pic>
+        <p:nvPicPr>
+          <p:cNvPr id="5" name="图片 4"/>
+          <p:cNvPicPr>
+            <a:picLocks noChangeAspect="1"/>
+          </p:cNvPicPr>
+          <p:nvPr/>
+        </p:nvPicPr>
+        <p:blipFill>
+          <a:blip r:embed="rId2"/>
+          <a:stretch>
+            <a:fillRect/>
+          </a:stretch>
+        </p:blipFill>
+        <p:spPr>
+          <a:xfrm>
+            <a:off x="3963881" y="1017639"/>
+            <a:ext cx="7933919" cy="5840361"/>
+          </a:xfrm>
+          <a:prstGeom prst="rect">
+            <a:avLst/>
+          </a:prstGeom>
+        </p:spPr>
+      </p:pic>
+    </p:spTree>
+    <p:extLst>
+      <p:ext uri="{BB962C8B-B14F-4D97-AF65-F5344CB8AC3E}">
+        <p14:creationId xmlns:p14="http://schemas.microsoft.com/office/powerpoint/2010/main" val="134344740"/>
+      </p:ext>
+    </p:extLst>
+  </p:cSld>
+  <p:clrMapOvr>
+    <a:masterClrMapping/>
+  </p:clrMapOvr>
+  <p:timing>
+    <p:tnLst>
+      <p:par>
+        <p:cTn id="1" dur="indefinite" restart="never" nodeType="tmRoot"/>
+      </p:par>
+    </p:tnLst>
+  </p:timing>
+</p:sld>
+</file>
+
+<file path=ppt/slides/slide35.xml><?xml version="1.0" encoding="utf-8"?>
+<p:sld xmlns:a="http://schemas.openxmlformats.org/drawingml/2006/main" xmlns:r="http://schemas.openxmlformats.org/officeDocument/2006/relationships" xmlns:p="http://schemas.openxmlformats.org/presentationml/2006/main">
+  <p:cSld>
+    <p:spTree>
+      <p:nvGrpSpPr>
+        <p:cNvPr id="1" name=""/>
+        <p:cNvGrpSpPr/>
+        <p:nvPr/>
+      </p:nvGrpSpPr>
+      <p:grpSpPr>
+        <a:xfrm>
+          <a:off x="0" y="0"/>
+          <a:ext cx="0" cy="0"/>
+          <a:chOff x="0" y="0"/>
+          <a:chExt cx="0" cy="0"/>
+        </a:xfrm>
+      </p:grpSpPr>
+      <p:sp>
+        <p:nvSpPr>
           <p:cNvPr id="3" name="内容占位符 2"/>
           <p:cNvSpPr>
             <a:spLocks noGrp="1"/>
@@ -15981,7 +16426,7 @@
 </p:sld>
 </file>
 
-<file path=ppt/slides/slide31.xml><?xml version="1.0" encoding="utf-8"?>
+<file path=ppt/slides/slide36.xml><?xml version="1.0" encoding="utf-8"?>
 <p:sld xmlns:a="http://schemas.openxmlformats.org/drawingml/2006/main" xmlns:r="http://schemas.openxmlformats.org/officeDocument/2006/relationships" xmlns:p="http://schemas.openxmlformats.org/presentationml/2006/main">
   <p:cSld>
     <p:spTree>
@@ -18356,7 +18801,7 @@
           <p:cNvPr id="13" name="矩形 9">
             <a:extLst>
               <a:ext uri="{FF2B5EF4-FFF2-40B4-BE49-F238E27FC236}">
-                <a16:creationId xmlns="" xmlns:a16="http://schemas.microsoft.com/office/drawing/2014/main" id="{ED26B853-47FC-426B-9385-C1553E327378}"/>
+                <a16:creationId xmlns:a16="http://schemas.microsoft.com/office/drawing/2014/main" xmlns="" id="{ED26B853-47FC-426B-9385-C1553E327378}"/>
               </a:ext>
             </a:extLst>
           </p:cNvPr>
@@ -18548,7 +18993,7 @@
           <p:cNvPr id="14" name="矩形 10">
             <a:extLst>
               <a:ext uri="{FF2B5EF4-FFF2-40B4-BE49-F238E27FC236}">
-                <a16:creationId xmlns="" xmlns:a16="http://schemas.microsoft.com/office/drawing/2014/main" id="{2087C7E6-7AD2-45D6-859F-9A7C1A5D09BB}"/>
+                <a16:creationId xmlns:a16="http://schemas.microsoft.com/office/drawing/2014/main" xmlns="" id="{2087C7E6-7AD2-45D6-859F-9A7C1A5D09BB}"/>
               </a:ext>
             </a:extLst>
           </p:cNvPr>
@@ -18744,7 +19189,7 @@
           <p:cNvPr id="15" name="矩形 11">
             <a:extLst>
               <a:ext uri="{FF2B5EF4-FFF2-40B4-BE49-F238E27FC236}">
-                <a16:creationId xmlns="" xmlns:a16="http://schemas.microsoft.com/office/drawing/2014/main" id="{32F72E08-21B8-450B-B995-8A47BD60294A}"/>
+                <a16:creationId xmlns:a16="http://schemas.microsoft.com/office/drawing/2014/main" xmlns="" id="{32F72E08-21B8-450B-B995-8A47BD60294A}"/>
               </a:ext>
             </a:extLst>
           </p:cNvPr>
@@ -18940,7 +19385,7 @@
           <p:cNvPr id="16" name="矩形 12">
             <a:extLst>
               <a:ext uri="{FF2B5EF4-FFF2-40B4-BE49-F238E27FC236}">
-                <a16:creationId xmlns="" xmlns:a16="http://schemas.microsoft.com/office/drawing/2014/main" id="{D75A983B-0859-4716-9A56-407616119B66}"/>
+                <a16:creationId xmlns:a16="http://schemas.microsoft.com/office/drawing/2014/main" xmlns="" id="{D75A983B-0859-4716-9A56-407616119B66}"/>
               </a:ext>
             </a:extLst>
           </p:cNvPr>
@@ -19146,7 +19591,7 @@
           <p:cNvPr id="17" name="矩形 13">
             <a:extLst>
               <a:ext uri="{FF2B5EF4-FFF2-40B4-BE49-F238E27FC236}">
-                <a16:creationId xmlns="" xmlns:a16="http://schemas.microsoft.com/office/drawing/2014/main" id="{90C8538E-B6FA-4419-9F03-6755CC37CE2D}"/>
+                <a16:creationId xmlns:a16="http://schemas.microsoft.com/office/drawing/2014/main" xmlns="" id="{90C8538E-B6FA-4419-9F03-6755CC37CE2D}"/>
               </a:ext>
             </a:extLst>
           </p:cNvPr>
@@ -19342,7 +19787,7 @@
           <p:cNvPr id="18" name="矩形 14">
             <a:extLst>
               <a:ext uri="{FF2B5EF4-FFF2-40B4-BE49-F238E27FC236}">
-                <a16:creationId xmlns="" xmlns:a16="http://schemas.microsoft.com/office/drawing/2014/main" id="{7E77736F-4622-45A1-88C4-66BCD5136D70}"/>
+                <a16:creationId xmlns:a16="http://schemas.microsoft.com/office/drawing/2014/main" xmlns="" id="{7E77736F-4622-45A1-88C4-66BCD5136D70}"/>
               </a:ext>
             </a:extLst>
           </p:cNvPr>
@@ -19538,7 +19983,7 @@
           <p:cNvPr id="19" name="矩形 15">
             <a:extLst>
               <a:ext uri="{FF2B5EF4-FFF2-40B4-BE49-F238E27FC236}">
-                <a16:creationId xmlns="" xmlns:a16="http://schemas.microsoft.com/office/drawing/2014/main" id="{0216D3AF-E590-43CD-895D-57922D849669}"/>
+                <a16:creationId xmlns:a16="http://schemas.microsoft.com/office/drawing/2014/main" xmlns="" id="{0216D3AF-E590-43CD-895D-57922D849669}"/>
               </a:ext>
             </a:extLst>
           </p:cNvPr>
@@ -19743,7 +20188,7 @@
           <p:cNvPr id="20" name="矩形 17">
             <a:extLst>
               <a:ext uri="{FF2B5EF4-FFF2-40B4-BE49-F238E27FC236}">
-                <a16:creationId xmlns="" xmlns:a16="http://schemas.microsoft.com/office/drawing/2014/main" id="{93EF3E77-F043-4EB0-9B04-475DF9E79187}"/>
+                <a16:creationId xmlns:a16="http://schemas.microsoft.com/office/drawing/2014/main" xmlns="" id="{93EF3E77-F043-4EB0-9B04-475DF9E79187}"/>
               </a:ext>
             </a:extLst>
           </p:cNvPr>
@@ -19939,7 +20384,7 @@
           <p:cNvPr id="21" name="矩形 13">
             <a:extLst>
               <a:ext uri="{FF2B5EF4-FFF2-40B4-BE49-F238E27FC236}">
-                <a16:creationId xmlns="" xmlns:a16="http://schemas.microsoft.com/office/drawing/2014/main" id="{90C8538E-B6FA-4419-9F03-6755CC37CE2D}"/>
+                <a16:creationId xmlns:a16="http://schemas.microsoft.com/office/drawing/2014/main" xmlns="" id="{90C8538E-B6FA-4419-9F03-6755CC37CE2D}"/>
               </a:ext>
             </a:extLst>
           </p:cNvPr>
